--- a/presentation/Car-Classification.pptx
+++ b/presentation/Car-Classification.pptx
@@ -15905,7 +15905,7 @@
           <a:p>
             <a:fld id="{74CEAF11-73EB-4EB9-8467-C9492EEEF9FC}" type="datetimeFigureOut">
               <a:rPr lang="en-US" smtClean="0"/>
-              <a:t>9/13/2021</a:t>
+              <a:t>13-Sep-21</a:t>
             </a:fld>
             <a:endParaRPr lang="en-US"/>
           </a:p>
@@ -17328,7 +17328,7 @@
           <a:p>
             <a:fld id="{9184DA70-C731-4C70-880D-CCD4705E623C}" type="datetime1">
               <a:rPr lang="en-US" smtClean="0"/>
-              <a:t>9/13/2021</a:t>
+              <a:t>13-Sep-21</a:t>
             </a:fld>
             <a:endParaRPr lang="en-US" dirty="0"/>
           </a:p>
@@ -17516,7 +17516,7 @@
           <a:p>
             <a:fld id="{4BE1D723-8F53-4F53-90B0-1982A396982E}" type="datetime1">
               <a:rPr lang="en-US" smtClean="0"/>
-              <a:t>9/13/2021</a:t>
+              <a:t>13-Sep-21</a:t>
             </a:fld>
             <a:endParaRPr lang="en-US" dirty="0"/>
           </a:p>
@@ -17889,7 +17889,7 @@
           <a:p>
             <a:fld id="{97669AF7-7BEB-44E4-9852-375E34362B5B}" type="datetime1">
               <a:rPr lang="en-US" smtClean="0"/>
-              <a:t>9/13/2021</a:t>
+              <a:t>13-Sep-21</a:t>
             </a:fld>
             <a:endParaRPr lang="en-US" dirty="0"/>
           </a:p>
@@ -18144,7 +18144,7 @@
           <a:p>
             <a:fld id="{BAAAC38D-0552-4C82-B593-E6124DFADBE2}" type="datetime1">
               <a:rPr lang="en-US" smtClean="0"/>
-              <a:t>9/13/2021</a:t>
+              <a:t>13-Sep-21</a:t>
             </a:fld>
             <a:endParaRPr lang="en-US" dirty="0"/>
           </a:p>
@@ -18541,7 +18541,7 @@
           <a:p>
             <a:fld id="{D9DF0F1C-5577-4ACB-BB62-DF8F3C494C7E}" type="datetime1">
               <a:rPr lang="en-US" smtClean="0"/>
-              <a:t>9/13/2021</a:t>
+              <a:t>13-Sep-21</a:t>
             </a:fld>
             <a:endParaRPr lang="en-US" dirty="0"/>
           </a:p>
@@ -18677,7 +18677,7 @@
           <a:p>
             <a:fld id="{1775B394-D9F9-4F0C-B15D-605F45CB9E9F}" type="datetime1">
               <a:rPr lang="en-US" smtClean="0"/>
-              <a:t>9/13/2021</a:t>
+              <a:t>13-Sep-21</a:t>
             </a:fld>
             <a:endParaRPr lang="en-US" dirty="0"/>
           </a:p>
@@ -18834,7 +18834,7 @@
           <a:p>
             <a:fld id="{39667345-2558-425A-8533-9BFDBCE15005}" type="datetime1">
               <a:rPr lang="en-US" smtClean="0"/>
-              <a:t>9/13/2021</a:t>
+              <a:t>13-Sep-21</a:t>
             </a:fld>
             <a:endParaRPr lang="en-US" dirty="0"/>
           </a:p>
@@ -19163,7 +19163,7 @@
           <a:p>
             <a:fld id="{92BEA474-078D-4E9B-9B14-09A87B19DC46}" type="datetime1">
               <a:rPr lang="en-US" smtClean="0"/>
-              <a:t>9/13/2021</a:t>
+              <a:t>13-Sep-21</a:t>
             </a:fld>
             <a:endParaRPr lang="en-US" dirty="0"/>
           </a:p>
@@ -19513,7 +19513,7 @@
           <a:p>
             <a:fld id="{4907D986-8816-4272-A432-0437A28A9828}" type="datetime1">
               <a:rPr lang="en-US" smtClean="0"/>
-              <a:t>9/13/2021</a:t>
+              <a:t>13-Sep-21</a:t>
             </a:fld>
             <a:endParaRPr lang="en-US" dirty="0"/>
           </a:p>
@@ -19774,7 +19774,7 @@
           <a:p>
             <a:fld id="{62D6E202-B606-4609-B914-27C9371A1F6D}" type="datetime1">
               <a:rPr lang="en-US" smtClean="0"/>
-              <a:t>9/13/2021</a:t>
+              <a:t>13-Sep-21</a:t>
             </a:fld>
             <a:endParaRPr lang="en-US" dirty="0"/>
           </a:p>
@@ -22648,7 +22648,7 @@
           </a:xfrm>
         </p:spPr>
         <p:txBody>
-          <a:bodyPr numCol="2">
+          <a:bodyPr numCol="1">
             <a:normAutofit/>
           </a:bodyPr>
           <a:lstStyle/>
@@ -22658,7 +22658,7 @@
               <a:buChar char="•"/>
             </a:pPr>
             <a:r>
-              <a:rPr lang="en-US"/>
+              <a:rPr lang="en-US" b="1" dirty="0"/>
               <a:t>Standardizing The Data</a:t>
             </a:r>
           </a:p>
@@ -22668,7 +22668,7 @@
               <a:buChar char="•"/>
             </a:pPr>
             <a:r>
-              <a:rPr lang="en-US"/>
+              <a:rPr lang="en-US" dirty="0"/>
               <a:t> -150x150</a:t>
             </a:r>
           </a:p>
@@ -22678,7 +22678,7 @@
               <a:buChar char="•"/>
             </a:pPr>
             <a:r>
-              <a:rPr lang="en-US"/>
+              <a:rPr lang="en-US" dirty="0"/>
               <a:t>Normalizing/scaling RGB pixel values between -1 and 1</a:t>
             </a:r>
           </a:p>
@@ -22688,7 +22688,7 @@
               <a:buChar char="•"/>
             </a:pPr>
             <a:r>
-              <a:rPr lang="en-US"/>
+              <a:rPr lang="en-US" b="1" dirty="0"/>
               <a:t>Preprocessing</a:t>
             </a:r>
           </a:p>
@@ -22698,7 +22698,7 @@
               <a:buChar char="•"/>
             </a:pPr>
             <a:r>
-              <a:rPr lang="en-US"/>
+              <a:rPr lang="en-US" dirty="0"/>
               <a:t>Random Data Augmentation</a:t>
             </a:r>
           </a:p>
@@ -22708,7 +22708,7 @@
               <a:buChar char="•"/>
             </a:pPr>
             <a:r>
-              <a:rPr lang="en-US"/>
+              <a:rPr lang="en-US" dirty="0"/>
               <a:t>Cropping/padding</a:t>
             </a:r>
           </a:p>
@@ -22718,7 +22718,7 @@
               <a:buChar char="•"/>
             </a:pPr>
             <a:r>
-              <a:rPr lang="en-US"/>
+              <a:rPr lang="en-US" dirty="0"/>
               <a:t>Flipping</a:t>
             </a:r>
           </a:p>
@@ -22728,7 +22728,7 @@
               <a:buChar char="•"/>
             </a:pPr>
             <a:r>
-              <a:rPr lang="en-US"/>
+              <a:rPr lang="en-US" dirty="0"/>
               <a:t>Hue</a:t>
             </a:r>
           </a:p>
@@ -22738,7 +22738,7 @@
               <a:buChar char="•"/>
             </a:pPr>
             <a:r>
-              <a:rPr lang="en-US"/>
+              <a:rPr lang="en-US" dirty="0"/>
               <a:t>Contrast</a:t>
             </a:r>
           </a:p>
@@ -22748,28 +22748,16 @@
               <a:buChar char="•"/>
             </a:pPr>
             <a:r>
-              <a:rPr lang="en-US"/>
+              <a:rPr lang="en-US" dirty="0"/>
               <a:t>Saturation</a:t>
             </a:r>
-          </a:p>
-          <a:p>
-            <a:pPr marL="384048" lvl="2" indent="0">
-              <a:buNone/>
-            </a:pPr>
-            <a:endParaRPr lang="en-US"/>
-          </a:p>
-          <a:p>
-            <a:pPr marL="384048" lvl="2" indent="0">
-              <a:buNone/>
-            </a:pPr>
-            <a:endParaRPr lang="en-US"/>
           </a:p>
           <a:p>
             <a:pPr lvl="2">
               <a:buFont typeface="Arial" panose="020B0604020202020204" pitchFamily="34" charset="0"/>
               <a:buChar char="•"/>
             </a:pPr>
-            <a:endParaRPr lang="en-US"/>
+            <a:endParaRPr lang="en-US" dirty="0"/>
           </a:p>
         </p:txBody>
       </p:sp>
@@ -23085,7 +23073,7 @@
               <a:buChar char="•"/>
             </a:pPr>
             <a:r>
-              <a:rPr lang="en-US" sz="1500"/>
+              <a:rPr lang="en-US" sz="1500" b="1" dirty="0"/>
               <a:t>Model Creation</a:t>
             </a:r>
           </a:p>
@@ -23102,14 +23090,13 @@
               <a:t>Load </a:t>
             </a:r>
             <a:r>
-              <a:rPr lang="en-US" sz="1500"/>
+              <a:rPr lang="en-US" sz="1500" dirty="0" err="1"/>
               <a:t>Xception</a:t>
             </a:r>
             <a:r>
               <a:rPr lang="en-US" sz="1500" dirty="0"/>
               <a:t> CNN Model Trained on ImageNet dataset</a:t>
             </a:r>
-            <a:endParaRPr lang="en-US" sz="1500"/>
           </a:p>
           <a:p>
             <a:pPr lvl="2">
@@ -23123,7 +23110,6 @@
               <a:rPr lang="en-US" sz="1500" dirty="0"/>
               <a:t>Normalization Layer to scale RGB input </a:t>
             </a:r>
-            <a:endParaRPr lang="en-US" sz="1500"/>
           </a:p>
           <a:p>
             <a:pPr lvl="2">
@@ -23138,7 +23124,7 @@
               <a:t>We set our </a:t>
             </a:r>
             <a:r>
-              <a:rPr lang="en-US" sz="1500"/>
+              <a:rPr lang="en-US" sz="1500" dirty="0" err="1"/>
               <a:t>batchnorm</a:t>
             </a:r>
             <a:r>
@@ -23146,14 +23132,13 @@
               <a:t> layers from </a:t>
             </a:r>
             <a:r>
-              <a:rPr lang="en-US" sz="1500"/>
+              <a:rPr lang="en-US" sz="1500" dirty="0" err="1"/>
               <a:t>Xceptions</a:t>
             </a:r>
             <a:r>
               <a:rPr lang="en-US" sz="1500" dirty="0"/>
               <a:t> to Inference mode, as its needed for tuning the model later</a:t>
             </a:r>
-            <a:endParaRPr lang="en-US" sz="1500"/>
           </a:p>
           <a:p>
             <a:pPr lvl="2">
@@ -23167,7 +23152,6 @@
               <a:rPr lang="en-US" sz="1500" dirty="0"/>
               <a:t>Add a spatial global average pooling 2D layer</a:t>
             </a:r>
-            <a:endParaRPr lang="en-US" sz="1500"/>
           </a:p>
           <a:p>
             <a:pPr lvl="2">
@@ -23181,7 +23165,6 @@
               <a:rPr lang="en-US" sz="1500" dirty="0"/>
               <a:t>Add a dropout layer for regularization to prevent overfitting</a:t>
             </a:r>
-            <a:endParaRPr lang="en-US" sz="1500"/>
           </a:p>
           <a:p>
             <a:pPr lvl="2">
@@ -23196,14 +23179,13 @@
               <a:t>Add output Layer with 196 outputs and </a:t>
             </a:r>
             <a:r>
-              <a:rPr lang="en-US" sz="1500"/>
+              <a:rPr lang="en-US" sz="1500" dirty="0" err="1"/>
               <a:t>Softmax</a:t>
             </a:r>
             <a:r>
               <a:rPr lang="en-US" sz="1500" dirty="0"/>
               <a:t> activation function for classification</a:t>
             </a:r>
-            <a:endParaRPr lang="en-US" sz="1500"/>
           </a:p>
           <a:p>
             <a:pPr lvl="2">
@@ -23217,7 +23199,6 @@
               <a:rPr lang="en-US" sz="1500" dirty="0"/>
               <a:t>Adam optimizer (best performance in similar tests)</a:t>
             </a:r>
-            <a:endParaRPr lang="en-US" sz="1500"/>
           </a:p>
           <a:p>
             <a:pPr lvl="2">
@@ -23231,7 +23212,6 @@
               <a:rPr lang="en-US" sz="1500" dirty="0"/>
               <a:t>Sparse categorical cross entropy for loss function for (not one hot encoded data)(saves memory time and computation)</a:t>
             </a:r>
-            <a:endParaRPr lang="en-US" sz="1500"/>
           </a:p>
           <a:p>
             <a:pPr lvl="2">
@@ -23245,7 +23225,6 @@
               <a:rPr lang="en-US" sz="1500" dirty="0"/>
               <a:t>100 epochs</a:t>
             </a:r>
-            <a:endParaRPr lang="en-US" sz="1500"/>
           </a:p>
           <a:p>
             <a:pPr lvl="2">
@@ -23259,7 +23238,6 @@
               <a:rPr lang="en-US" sz="1500" dirty="0"/>
               <a:t>Sparse categorical accuracy measured as a metric</a:t>
             </a:r>
-            <a:endParaRPr lang="en-US" sz="1500"/>
           </a:p>
           <a:p>
             <a:pPr marL="384048" lvl="2" indent="0">
@@ -23268,7 +23246,7 @@
               </a:lnSpc>
               <a:buNone/>
             </a:pPr>
-            <a:endParaRPr lang="en-US" sz="1500"/>
+            <a:endParaRPr lang="en-US" sz="1500" dirty="0"/>
           </a:p>
           <a:p>
             <a:pPr marL="384048" marR="0" lvl="1" indent="-182880" defTabSz="914400" rtl="0" eaLnBrk="1" fontAlgn="auto" latinLnBrk="0" hangingPunct="1">
@@ -23289,7 +23267,7 @@
               <a:defRPr/>
             </a:pPr>
             <a:r>
-              <a:rPr kumimoji="0" lang="en-US" sz="1500" b="0" i="0" u="none" strike="noStrike" kern="1200" cap="none" spc="0" normalizeH="0" baseline="0" noProof="0">
+              <a:rPr kumimoji="0" lang="en-US" sz="1500" b="1" i="0" u="none" strike="noStrike" kern="1200" cap="none" spc="0" normalizeH="0" baseline="0" noProof="0" dirty="0">
                 <a:ln>
                   <a:noFill/>
                 </a:ln>
@@ -23322,7 +23300,7 @@
               <a:defRPr/>
             </a:pPr>
             <a:r>
-              <a:rPr kumimoji="0" lang="en-US" sz="1500" b="0" i="0" u="none" strike="noStrike" kern="1200" cap="none" spc="0" normalizeH="0" baseline="0" noProof="0">
+              <a:rPr kumimoji="0" lang="en-US" sz="1500" b="0" i="0" u="none" strike="noStrike" kern="1200" cap="none" spc="0" normalizeH="0" baseline="0" noProof="0" dirty="0">
                 <a:ln>
                   <a:noFill/>
                 </a:ln>
@@ -23358,7 +23336,7 @@
               <a:rPr lang="en-US" sz="1500" dirty="0"/>
               <a:t>Sparse categorical cross entropy for loss function</a:t>
             </a:r>
-            <a:endParaRPr kumimoji="0" lang="en-US" sz="1500" b="0" i="0" u="none" strike="noStrike" kern="1200" cap="none" spc="0" normalizeH="0" baseline="0" noProof="0">
+            <a:endParaRPr kumimoji="0" lang="en-US" sz="1500" b="0" i="0" u="none" strike="noStrike" kern="1200" cap="none" spc="0" normalizeH="0" baseline="0" noProof="0" dirty="0">
               <a:ln>
                 <a:noFill/>
               </a:ln>
@@ -23382,7 +23360,6 @@
               <a:rPr lang="en-US" sz="1500" dirty="0"/>
               <a:t>100 epochs</a:t>
             </a:r>
-            <a:endParaRPr lang="en-US" sz="1500"/>
           </a:p>
           <a:p>
             <a:pPr lvl="2">
@@ -23396,7 +23373,6 @@
               <a:rPr lang="en-US" sz="1500" dirty="0"/>
               <a:t>Sparse categorical accuracy measured as a metric</a:t>
             </a:r>
-            <a:endParaRPr lang="en-US" sz="1500"/>
           </a:p>
           <a:p>
             <a:pPr marL="566928" marR="0" lvl="2" indent="-182880" defTabSz="914400" rtl="0" eaLnBrk="1" fontAlgn="auto" latinLnBrk="0" hangingPunct="1">
@@ -23416,7 +23392,7 @@
               <a:tabLst/>
               <a:defRPr/>
             </a:pPr>
-            <a:endParaRPr kumimoji="0" lang="en-US" sz="1500" b="0" i="0" u="none" strike="noStrike" kern="1200" cap="none" spc="0" normalizeH="0" baseline="0" noProof="0">
+            <a:endParaRPr kumimoji="0" lang="en-US" sz="1500" b="0" i="0" u="none" strike="noStrike" kern="1200" cap="none" spc="0" normalizeH="0" baseline="0" noProof="0" dirty="0">
               <a:ln>
                 <a:noFill/>
               </a:ln>
@@ -23434,7 +23410,7 @@
                 <a:spcPct val="90000"/>
               </a:lnSpc>
             </a:pPr>
-            <a:endParaRPr lang="en-US" sz="1500"/>
+            <a:endParaRPr lang="en-US" sz="1500" dirty="0"/>
           </a:p>
         </p:txBody>
       </p:sp>
@@ -24783,24 +24759,6 @@
 </file>
 
 <file path=customXml/item1.xml><?xml version="1.0" encoding="utf-8"?>
-<?mso-contentType ?>
-<FormTemplates xmlns="http://schemas.microsoft.com/sharepoint/v3/contenttype/forms">
-  <Display>DocumentLibraryForm</Display>
-  <Edit>DocumentLibraryForm</Edit>
-  <New>DocumentLibraryForm</New>
-</FormTemplates>
-</file>
-
-<file path=customXml/item2.xml><?xml version="1.0" encoding="utf-8"?>
-<p:properties xmlns:p="http://schemas.microsoft.com/office/2006/metadata/properties" xmlns:xsi="http://www.w3.org/2001/XMLSchema-instance" xmlns:pc="http://schemas.microsoft.com/office/infopath/2007/PartnerControls">
-  <documentManagement>
-    <Status xmlns="71af3243-3dd4-4a8d-8c0d-dd76da1f02a5">Not started</Status>
-    <MediaServiceKeyPoints xmlns="71af3243-3dd4-4a8d-8c0d-dd76da1f02a5" xsi:nil="true"/>
-  </documentManagement>
-</p:properties>
-</file>
-
-<file path=customXml/item3.xml><?xml version="1.0" encoding="utf-8"?>
 <ct:contentTypeSchema xmlns:ct="http://schemas.microsoft.com/office/2006/metadata/contentType" xmlns:ma="http://schemas.microsoft.com/office/2006/metadata/properties/metaAttributes" ct:_="" ma:_="" ma:contentTypeName="Document" ma:contentTypeID="0x01010079F111ED35F8CC479449609E8A0923A6" ma:contentTypeVersion="12" ma:contentTypeDescription="Create a new document." ma:contentTypeScope="" ma:versionID="426e97fa315356fffbdcd9876fe988c2">
   <xsd:schema xmlns:xsd="http://www.w3.org/2001/XMLSchema" xmlns:xs="http://www.w3.org/2001/XMLSchema" xmlns:p="http://schemas.microsoft.com/office/2006/metadata/properties" xmlns:ns2="71af3243-3dd4-4a8d-8c0d-dd76da1f02a5" xmlns:ns3="16c05727-aa75-4e4a-9b5f-8a80a1165891" targetNamespace="http://schemas.microsoft.com/office/2006/metadata/properties" ma:root="true" ma:fieldsID="14b8f0def80e6d70ce3def20c90759ae" ns2:_="" ns3:_="">
     <xsd:import namespace="71af3243-3dd4-4a8d-8c0d-dd76da1f02a5"/>
@@ -25021,25 +24979,25 @@
 </ct:contentTypeSchema>
 </file>
 
-<file path=customXml/itemProps1.xml><?xml version="1.0" encoding="utf-8"?>
-<ds:datastoreItem xmlns:ds="http://schemas.openxmlformats.org/officeDocument/2006/customXml" ds:itemID="{2E5ECA37-C458-4BA2-A090-D7A19E07B434}">
-  <ds:schemaRefs>
-    <ds:schemaRef ds:uri="http://schemas.microsoft.com/sharepoint/v3/contenttype/forms"/>
-  </ds:schemaRefs>
-</ds:datastoreItem>
+<file path=customXml/item2.xml><?xml version="1.0" encoding="utf-8"?>
+<p:properties xmlns:p="http://schemas.microsoft.com/office/2006/metadata/properties" xmlns:xsi="http://www.w3.org/2001/XMLSchema-instance" xmlns:pc="http://schemas.microsoft.com/office/infopath/2007/PartnerControls">
+  <documentManagement>
+    <Status xmlns="71af3243-3dd4-4a8d-8c0d-dd76da1f02a5">Not started</Status>
+    <MediaServiceKeyPoints xmlns="71af3243-3dd4-4a8d-8c0d-dd76da1f02a5" xsi:nil="true"/>
+  </documentManagement>
+</p:properties>
 </file>
 
-<file path=customXml/itemProps2.xml><?xml version="1.0" encoding="utf-8"?>
-<ds:datastoreItem xmlns:ds="http://schemas.openxmlformats.org/officeDocument/2006/customXml" ds:itemID="{84F503EC-3FFF-4193-A86F-39150E2BAC75}">
-  <ds:schemaRefs>
-    <ds:schemaRef ds:uri="http://schemas.microsoft.com/office/2006/metadata/properties"/>
-    <ds:schemaRef ds:uri="http://schemas.microsoft.com/office/infopath/2007/PartnerControls"/>
-    <ds:schemaRef ds:uri="71af3243-3dd4-4a8d-8c0d-dd76da1f02a5"/>
-  </ds:schemaRefs>
-</ds:datastoreItem>
+<file path=customXml/item3.xml><?xml version="1.0" encoding="utf-8"?>
+<?mso-contentType ?>
+<FormTemplates xmlns="http://schemas.microsoft.com/sharepoint/v3/contenttype/forms">
+  <Display>DocumentLibraryForm</Display>
+  <Edit>DocumentLibraryForm</Edit>
+  <New>DocumentLibraryForm</New>
+</FormTemplates>
 </file>
 
-<file path=customXml/itemProps3.xml><?xml version="1.0" encoding="utf-8"?>
+<file path=customXml/itemProps1.xml><?xml version="1.0" encoding="utf-8"?>
 <ds:datastoreItem xmlns:ds="http://schemas.openxmlformats.org/officeDocument/2006/customXml" ds:itemID="{7A26AAF5-6CFC-4C52-B7DF-08410EDE6701}">
   <ds:schemaRefs>
     <ds:schemaRef ds:uri="http://schemas.microsoft.com/office/2006/metadata/contentType"/>
@@ -25056,4 +25014,22 @@
     <ds:schemaRef ds:uri="http://schemas.microsoft.com/internal/obd"/>
   </ds:schemaRefs>
 </ds:datastoreItem>
+</file>
+
+<file path=customXml/itemProps2.xml><?xml version="1.0" encoding="utf-8"?>
+<ds:datastoreItem xmlns:ds="http://schemas.openxmlformats.org/officeDocument/2006/customXml" ds:itemID="{84F503EC-3FFF-4193-A86F-39150E2BAC75}">
+  <ds:schemaRefs>
+    <ds:schemaRef ds:uri="http://schemas.microsoft.com/office/2006/metadata/properties"/>
+    <ds:schemaRef ds:uri="http://schemas.microsoft.com/office/infopath/2007/PartnerControls"/>
+    <ds:schemaRef ds:uri="71af3243-3dd4-4a8d-8c0d-dd76da1f02a5"/>
+  </ds:schemaRefs>
+</ds:datastoreItem>
+</file>
+
+<file path=customXml/itemProps3.xml><?xml version="1.0" encoding="utf-8"?>
+<ds:datastoreItem xmlns:ds="http://schemas.openxmlformats.org/officeDocument/2006/customXml" ds:itemID="{2E5ECA37-C458-4BA2-A090-D7A19E07B434}">
+  <ds:schemaRefs>
+    <ds:schemaRef ds:uri="http://schemas.microsoft.com/sharepoint/v3/contenttype/forms"/>
+  </ds:schemaRefs>
+</ds:datastoreItem>
 </file>
--- a/presentation/Car-Classification.pptx
+++ b/presentation/Car-Classification.pptx
@@ -15905,7 +15905,7 @@
           <a:p>
             <a:fld id="{74CEAF11-73EB-4EB9-8467-C9492EEEF9FC}" type="datetimeFigureOut">
               <a:rPr lang="en-US" smtClean="0"/>
-              <a:t>13-Sep-21</a:t>
+              <a:t>21-Sep-21</a:t>
             </a:fld>
             <a:endParaRPr lang="en-US"/>
           </a:p>
@@ -16954,11 +16954,20 @@
             </a:r>
             <a:r>
               <a:rPr lang="en-US" dirty="0"/>
-              <a:t> the different models and test it and deploy the model for real </a:t>
+              <a:t> the different models and test it and deploy the model for real life testing</a:t>
+            </a:r>
+          </a:p>
+          <a:p>
+            <a:endParaRPr lang="en-US" dirty="0"/>
+          </a:p>
+          <a:p>
+            <a:r>
+              <a:rPr lang="en-US" dirty="0"/>
+              <a:t>As we can see our loss is still decreasing meaning that our model is yet not overfitted and the accuracy is still increasing. I believe with more iteration this model will be able to have an even better </a:t>
             </a:r>
             <a:r>
               <a:rPr lang="en-US"/>
-              <a:t>life testing</a:t>
+              <a:t>prediction rating</a:t>
             </a:r>
             <a:endParaRPr lang="en-US" dirty="0"/>
           </a:p>
@@ -17328,7 +17337,7 @@
           <a:p>
             <a:fld id="{9184DA70-C731-4C70-880D-CCD4705E623C}" type="datetime1">
               <a:rPr lang="en-US" smtClean="0"/>
-              <a:t>13-Sep-21</a:t>
+              <a:t>21-Sep-21</a:t>
             </a:fld>
             <a:endParaRPr lang="en-US" dirty="0"/>
           </a:p>
@@ -17516,7 +17525,7 @@
           <a:p>
             <a:fld id="{4BE1D723-8F53-4F53-90B0-1982A396982E}" type="datetime1">
               <a:rPr lang="en-US" smtClean="0"/>
-              <a:t>13-Sep-21</a:t>
+              <a:t>21-Sep-21</a:t>
             </a:fld>
             <a:endParaRPr lang="en-US" dirty="0"/>
           </a:p>
@@ -17889,7 +17898,7 @@
           <a:p>
             <a:fld id="{97669AF7-7BEB-44E4-9852-375E34362B5B}" type="datetime1">
               <a:rPr lang="en-US" smtClean="0"/>
-              <a:t>13-Sep-21</a:t>
+              <a:t>21-Sep-21</a:t>
             </a:fld>
             <a:endParaRPr lang="en-US" dirty="0"/>
           </a:p>
@@ -18144,7 +18153,7 @@
           <a:p>
             <a:fld id="{BAAAC38D-0552-4C82-B593-E6124DFADBE2}" type="datetime1">
               <a:rPr lang="en-US" smtClean="0"/>
-              <a:t>13-Sep-21</a:t>
+              <a:t>21-Sep-21</a:t>
             </a:fld>
             <a:endParaRPr lang="en-US" dirty="0"/>
           </a:p>
@@ -18541,7 +18550,7 @@
           <a:p>
             <a:fld id="{D9DF0F1C-5577-4ACB-BB62-DF8F3C494C7E}" type="datetime1">
               <a:rPr lang="en-US" smtClean="0"/>
-              <a:t>13-Sep-21</a:t>
+              <a:t>21-Sep-21</a:t>
             </a:fld>
             <a:endParaRPr lang="en-US" dirty="0"/>
           </a:p>
@@ -18677,7 +18686,7 @@
           <a:p>
             <a:fld id="{1775B394-D9F9-4F0C-B15D-605F45CB9E9F}" type="datetime1">
               <a:rPr lang="en-US" smtClean="0"/>
-              <a:t>13-Sep-21</a:t>
+              <a:t>21-Sep-21</a:t>
             </a:fld>
             <a:endParaRPr lang="en-US" dirty="0"/>
           </a:p>
@@ -18834,7 +18843,7 @@
           <a:p>
             <a:fld id="{39667345-2558-425A-8533-9BFDBCE15005}" type="datetime1">
               <a:rPr lang="en-US" smtClean="0"/>
-              <a:t>13-Sep-21</a:t>
+              <a:t>21-Sep-21</a:t>
             </a:fld>
             <a:endParaRPr lang="en-US" dirty="0"/>
           </a:p>
@@ -19163,7 +19172,7 @@
           <a:p>
             <a:fld id="{92BEA474-078D-4E9B-9B14-09A87B19DC46}" type="datetime1">
               <a:rPr lang="en-US" smtClean="0"/>
-              <a:t>13-Sep-21</a:t>
+              <a:t>21-Sep-21</a:t>
             </a:fld>
             <a:endParaRPr lang="en-US" dirty="0"/>
           </a:p>
@@ -19513,7 +19522,7 @@
           <a:p>
             <a:fld id="{4907D986-8816-4272-A432-0437A28A9828}" type="datetime1">
               <a:rPr lang="en-US" smtClean="0"/>
-              <a:t>13-Sep-21</a:t>
+              <a:t>21-Sep-21</a:t>
             </a:fld>
             <a:endParaRPr lang="en-US" dirty="0"/>
           </a:p>
@@ -19774,7 +19783,7 @@
           <a:p>
             <a:fld id="{62D6E202-B606-4609-B914-27C9371A1F6D}" type="datetime1">
               <a:rPr lang="en-US" smtClean="0"/>
-              <a:t>13-Sep-21</a:t>
+              <a:t>21-Sep-21</a:t>
             </a:fld>
             <a:endParaRPr lang="en-US" dirty="0"/>
           </a:p>
@@ -24759,6 +24768,24 @@
 </file>
 
 <file path=customXml/item1.xml><?xml version="1.0" encoding="utf-8"?>
+<?mso-contentType ?>
+<FormTemplates xmlns="http://schemas.microsoft.com/sharepoint/v3/contenttype/forms">
+  <Display>DocumentLibraryForm</Display>
+  <Edit>DocumentLibraryForm</Edit>
+  <New>DocumentLibraryForm</New>
+</FormTemplates>
+</file>
+
+<file path=customXml/item2.xml><?xml version="1.0" encoding="utf-8"?>
+<p:properties xmlns:p="http://schemas.microsoft.com/office/2006/metadata/properties" xmlns:xsi="http://www.w3.org/2001/XMLSchema-instance" xmlns:pc="http://schemas.microsoft.com/office/infopath/2007/PartnerControls">
+  <documentManagement>
+    <Status xmlns="71af3243-3dd4-4a8d-8c0d-dd76da1f02a5">Not started</Status>
+    <MediaServiceKeyPoints xmlns="71af3243-3dd4-4a8d-8c0d-dd76da1f02a5" xsi:nil="true"/>
+  </documentManagement>
+</p:properties>
+</file>
+
+<file path=customXml/item3.xml><?xml version="1.0" encoding="utf-8"?>
 <ct:contentTypeSchema xmlns:ct="http://schemas.microsoft.com/office/2006/metadata/contentType" xmlns:ma="http://schemas.microsoft.com/office/2006/metadata/properties/metaAttributes" ct:_="" ma:_="" ma:contentTypeName="Document" ma:contentTypeID="0x01010079F111ED35F8CC479449609E8A0923A6" ma:contentTypeVersion="12" ma:contentTypeDescription="Create a new document." ma:contentTypeScope="" ma:versionID="426e97fa315356fffbdcd9876fe988c2">
   <xsd:schema xmlns:xsd="http://www.w3.org/2001/XMLSchema" xmlns:xs="http://www.w3.org/2001/XMLSchema" xmlns:p="http://schemas.microsoft.com/office/2006/metadata/properties" xmlns:ns2="71af3243-3dd4-4a8d-8c0d-dd76da1f02a5" xmlns:ns3="16c05727-aa75-4e4a-9b5f-8a80a1165891" targetNamespace="http://schemas.microsoft.com/office/2006/metadata/properties" ma:root="true" ma:fieldsID="14b8f0def80e6d70ce3def20c90759ae" ns2:_="" ns3:_="">
     <xsd:import namespace="71af3243-3dd4-4a8d-8c0d-dd76da1f02a5"/>
@@ -24979,25 +25006,25 @@
 </ct:contentTypeSchema>
 </file>
 
-<file path=customXml/item2.xml><?xml version="1.0" encoding="utf-8"?>
-<p:properties xmlns:p="http://schemas.microsoft.com/office/2006/metadata/properties" xmlns:xsi="http://www.w3.org/2001/XMLSchema-instance" xmlns:pc="http://schemas.microsoft.com/office/infopath/2007/PartnerControls">
-  <documentManagement>
-    <Status xmlns="71af3243-3dd4-4a8d-8c0d-dd76da1f02a5">Not started</Status>
-    <MediaServiceKeyPoints xmlns="71af3243-3dd4-4a8d-8c0d-dd76da1f02a5" xsi:nil="true"/>
-  </documentManagement>
-</p:properties>
+<file path=customXml/itemProps1.xml><?xml version="1.0" encoding="utf-8"?>
+<ds:datastoreItem xmlns:ds="http://schemas.openxmlformats.org/officeDocument/2006/customXml" ds:itemID="{2E5ECA37-C458-4BA2-A090-D7A19E07B434}">
+  <ds:schemaRefs>
+    <ds:schemaRef ds:uri="http://schemas.microsoft.com/sharepoint/v3/contenttype/forms"/>
+  </ds:schemaRefs>
+</ds:datastoreItem>
 </file>
 
-<file path=customXml/item3.xml><?xml version="1.0" encoding="utf-8"?>
-<?mso-contentType ?>
-<FormTemplates xmlns="http://schemas.microsoft.com/sharepoint/v3/contenttype/forms">
-  <Display>DocumentLibraryForm</Display>
-  <Edit>DocumentLibraryForm</Edit>
-  <New>DocumentLibraryForm</New>
-</FormTemplates>
+<file path=customXml/itemProps2.xml><?xml version="1.0" encoding="utf-8"?>
+<ds:datastoreItem xmlns:ds="http://schemas.openxmlformats.org/officeDocument/2006/customXml" ds:itemID="{84F503EC-3FFF-4193-A86F-39150E2BAC75}">
+  <ds:schemaRefs>
+    <ds:schemaRef ds:uri="http://schemas.microsoft.com/office/2006/metadata/properties"/>
+    <ds:schemaRef ds:uri="http://schemas.microsoft.com/office/infopath/2007/PartnerControls"/>
+    <ds:schemaRef ds:uri="71af3243-3dd4-4a8d-8c0d-dd76da1f02a5"/>
+  </ds:schemaRefs>
+</ds:datastoreItem>
 </file>
 
-<file path=customXml/itemProps1.xml><?xml version="1.0" encoding="utf-8"?>
+<file path=customXml/itemProps3.xml><?xml version="1.0" encoding="utf-8"?>
 <ds:datastoreItem xmlns:ds="http://schemas.openxmlformats.org/officeDocument/2006/customXml" ds:itemID="{7A26AAF5-6CFC-4C52-B7DF-08410EDE6701}">
   <ds:schemaRefs>
     <ds:schemaRef ds:uri="http://schemas.microsoft.com/office/2006/metadata/contentType"/>
@@ -25014,22 +25041,4 @@
     <ds:schemaRef ds:uri="http://schemas.microsoft.com/internal/obd"/>
   </ds:schemaRefs>
 </ds:datastoreItem>
-</file>
-
-<file path=customXml/itemProps2.xml><?xml version="1.0" encoding="utf-8"?>
-<ds:datastoreItem xmlns:ds="http://schemas.openxmlformats.org/officeDocument/2006/customXml" ds:itemID="{84F503EC-3FFF-4193-A86F-39150E2BAC75}">
-  <ds:schemaRefs>
-    <ds:schemaRef ds:uri="http://schemas.microsoft.com/office/2006/metadata/properties"/>
-    <ds:schemaRef ds:uri="http://schemas.microsoft.com/office/infopath/2007/PartnerControls"/>
-    <ds:schemaRef ds:uri="71af3243-3dd4-4a8d-8c0d-dd76da1f02a5"/>
-  </ds:schemaRefs>
-</ds:datastoreItem>
-</file>
-
-<file path=customXml/itemProps3.xml><?xml version="1.0" encoding="utf-8"?>
-<ds:datastoreItem xmlns:ds="http://schemas.openxmlformats.org/officeDocument/2006/customXml" ds:itemID="{2E5ECA37-C458-4BA2-A090-D7A19E07B434}">
-  <ds:schemaRefs>
-    <ds:schemaRef ds:uri="http://schemas.microsoft.com/sharepoint/v3/contenttype/forms"/>
-  </ds:schemaRefs>
-</ds:datastoreItem>
 </file>